--- a/T4GS-Tubes.pptx
+++ b/T4GS-Tubes.pptx
@@ -6088,7 +6088,7 @@
       </p:sp>
       <p:pic>
         <p:nvPicPr>
-          <p:cNvPr id="5" name="Content Placeholder 4"/>
+          <p:cNvPr id="4" name="Content Placeholder 3"/>
           <p:cNvPicPr>
             <a:picLocks noGrp="1" noChangeAspect="1"/>
           </p:cNvPicPr>
@@ -6110,7 +6110,7 @@
         </p:blipFill>
         <p:spPr>
           <a:xfrm>
-            <a:off x="2433637" y="2527347"/>
+            <a:off x="2433637" y="2663825"/>
             <a:ext cx="7324725" cy="3105150"/>
           </a:xfrm>
         </p:spPr>
